--- a/Презентация/Шимко А. Ч..pptx
+++ b/Презентация/Шимко А. Ч..pptx
@@ -6172,11 +6172,6 @@
               </a:rPr>
               <a:t> </a:t>
             </a:r>
-            <a:endParaRPr lang="ru-RU" dirty="0" smtClean="0">
-              <a:solidFill>
-                <a:schemeClr val="tx1"/>
-              </a:solidFill>
-            </a:endParaRPr>
           </a:p>
           <a:p>
             <a:pPr algn="r" eaLnBrk="1" fontAlgn="auto" hangingPunct="1">
@@ -6193,15 +6188,7 @@
                   <a:schemeClr val="tx1"/>
                 </a:solidFill>
               </a:rPr>
-              <a:t>с</a:t>
-            </a:r>
-            <a:r>
-              <a:rPr lang="ru-RU" dirty="0" smtClean="0">
-                <a:solidFill>
-                  <a:schemeClr val="tx1"/>
-                </a:solidFill>
-              </a:rPr>
-              <a:t>тудента 5 курса ,</a:t>
+              <a:t>студента 5 курса ,</a:t>
             </a:r>
           </a:p>
           <a:p>
@@ -6221,11 +6208,6 @@
               </a:rPr>
               <a:t>специальность «Компьютерная безопасность»</a:t>
             </a:r>
-            <a:endParaRPr lang="ru-RU" dirty="0" smtClean="0">
-              <a:solidFill>
-                <a:schemeClr val="tx1"/>
-              </a:solidFill>
-            </a:endParaRPr>
           </a:p>
           <a:p>
             <a:pPr algn="r" eaLnBrk="1" fontAlgn="auto" hangingPunct="1">
@@ -6242,80 +6224,43 @@
                   <a:schemeClr val="tx1"/>
                 </a:solidFill>
               </a:rPr>
-              <a:t>Научный </a:t>
-            </a:r>
+              <a:t>Научный руководитель:</a:t>
+            </a:r>
+          </a:p>
+          <a:p>
+            <a:pPr algn="r" eaLnBrk="1" fontAlgn="auto" hangingPunct="1">
+              <a:spcAft>
+                <a:spcPts val="0"/>
+              </a:spcAft>
+              <a:buFont typeface="Wingdings"/>
+              <a:buNone/>
+              <a:defRPr/>
+            </a:pPr>
             <a:r>
               <a:rPr lang="ru-RU" dirty="0" smtClean="0">
                 <a:solidFill>
                   <a:schemeClr val="tx1"/>
                 </a:solidFill>
               </a:rPr>
-              <a:t>руководитель</a:t>
-            </a:r>
+              <a:t>кандидат физико-математических наук</a:t>
+            </a:r>
+          </a:p>
+          <a:p>
+            <a:pPr algn="r" eaLnBrk="1" fontAlgn="auto" hangingPunct="1">
+              <a:spcAft>
+                <a:spcPts val="0"/>
+              </a:spcAft>
+              <a:buFont typeface="Wingdings"/>
+              <a:buNone/>
+              <a:defRPr/>
+            </a:pPr>
             <a:r>
               <a:rPr lang="ru-RU" dirty="0" smtClean="0">
                 <a:solidFill>
                   <a:schemeClr val="tx1"/>
                 </a:solidFill>
               </a:rPr>
-              <a:t>:</a:t>
-            </a:r>
-          </a:p>
-          <a:p>
-            <a:pPr algn="r" eaLnBrk="1" fontAlgn="auto" hangingPunct="1">
-              <a:spcAft>
-                <a:spcPts val="0"/>
-              </a:spcAft>
-              <a:buFont typeface="Wingdings"/>
-              <a:buNone/>
-              <a:defRPr/>
-            </a:pPr>
-            <a:r>
-              <a:rPr lang="ru-RU" dirty="0" smtClean="0">
-                <a:solidFill>
-                  <a:schemeClr val="tx1"/>
-                </a:solidFill>
-              </a:rPr>
-              <a:t>к</a:t>
-            </a:r>
-            <a:r>
-              <a:rPr lang="ru-RU" dirty="0" smtClean="0">
-                <a:solidFill>
-                  <a:schemeClr val="tx1"/>
-                </a:solidFill>
-              </a:rPr>
-              <a:t>андидат физико-математических наук</a:t>
-            </a:r>
-            <a:endParaRPr lang="ru-RU" dirty="0" smtClean="0">
-              <a:solidFill>
-                <a:schemeClr val="tx1"/>
-              </a:solidFill>
-            </a:endParaRPr>
-          </a:p>
-          <a:p>
-            <a:pPr algn="r" eaLnBrk="1" fontAlgn="auto" hangingPunct="1">
-              <a:spcAft>
-                <a:spcPts val="0"/>
-              </a:spcAft>
-              <a:buFont typeface="Wingdings"/>
-              <a:buNone/>
-              <a:defRPr/>
-            </a:pPr>
-            <a:r>
-              <a:rPr lang="ru-RU" dirty="0" smtClean="0">
-                <a:solidFill>
-                  <a:schemeClr val="tx1"/>
-                </a:solidFill>
-              </a:rPr>
-              <a:t>Е. </a:t>
-            </a:r>
-            <a:r>
-              <a:rPr lang="ru-RU" dirty="0" smtClean="0">
-                <a:solidFill>
-                  <a:schemeClr val="tx1"/>
-                </a:solidFill>
-              </a:rPr>
-              <a:t>В. </a:t>
+              <a:t>Е. В. </a:t>
             </a:r>
             <a:r>
               <a:rPr lang="ru-RU" dirty="0" err="1" smtClean="0">
@@ -6442,19 +6387,7 @@
           <a:p>
             <a:r>
               <a:rPr lang="ru-RU" dirty="0" smtClean="0"/>
-              <a:t>Рисунок </a:t>
-            </a:r>
-            <a:r>
-              <a:rPr lang="ru-RU" dirty="0" smtClean="0"/>
-              <a:t>4 </a:t>
-            </a:r>
-            <a:r>
-              <a:rPr lang="ru-RU" dirty="0" smtClean="0"/>
-              <a:t>– </a:t>
-            </a:r>
-            <a:r>
-              <a:rPr lang="ru-RU" dirty="0" smtClean="0"/>
-              <a:t>Семейство графиков зависимости энтропии </a:t>
+              <a:t>Рисунок 4 – Семейство графиков зависимости энтропии </a:t>
             </a:r>
             <a:r>
               <a:rPr lang="en-US" dirty="0" smtClean="0"/>
@@ -6631,11 +6564,7 @@
             </a:pPr>
             <a:r>
               <a:rPr lang="ru-RU" dirty="0" smtClean="0"/>
-              <a:t>Результаты ЛДА для классификации </a:t>
-            </a:r>
-            <a:r>
-              <a:rPr lang="ru-RU" dirty="0" smtClean="0"/>
-              <a:t>последовательностей </a:t>
+              <a:t>Результаты ЛДА для классификации последовательностей </a:t>
             </a:r>
             <a:endParaRPr lang="ru-RU" dirty="0"/>
           </a:p>
@@ -7615,35 +7544,19 @@
           <a:p>
             <a:r>
               <a:rPr lang="ru-RU" sz="2000" dirty="0" smtClean="0"/>
-              <a:t>В </a:t>
-            </a:r>
+              <a:t>В работе получены следующие основные результаты:</a:t>
+            </a:r>
+          </a:p>
+          <a:p>
             <a:r>
               <a:rPr lang="ru-RU" sz="2000" dirty="0" smtClean="0"/>
-              <a:t>работе получены следующие основные результаты:</a:t>
+              <a:t>1. Исследована математическая модель вкраплений в цепь Маркова 1-го порядка.</a:t>
             </a:r>
           </a:p>
           <a:p>
             <a:r>
               <a:rPr lang="ru-RU" sz="2000" dirty="0" smtClean="0"/>
-              <a:t>1. Исследована математическая модель вкраплений в цепь Маркова </a:t>
-            </a:r>
-            <a:r>
-              <a:rPr lang="ru-RU" sz="2000" dirty="0" smtClean="0"/>
-              <a:t>1-го порядка</a:t>
-            </a:r>
-            <a:r>
-              <a:rPr lang="ru-RU" sz="2000" dirty="0" smtClean="0"/>
-              <a:t>.</a:t>
-            </a:r>
-          </a:p>
-          <a:p>
-            <a:r>
-              <a:rPr lang="ru-RU" sz="2000" dirty="0" smtClean="0"/>
-              <a:t>2. Получены точные значения вероятностей для всевозможных </a:t>
-            </a:r>
-            <a:r>
-              <a:rPr lang="ru-RU" sz="2000" dirty="0" smtClean="0"/>
-              <a:t>шаблонов </a:t>
+              <a:t>2. Получены точные значения вероятностей для всевозможных шаблонов </a:t>
             </a:r>
             <a:r>
               <a:rPr lang="en-US" sz="2000" dirty="0" smtClean="0"/>
@@ -7669,15 +7582,7 @@
             </a:r>
             <a:r>
               <a:rPr lang="ru-RU" sz="2000" dirty="0" smtClean="0"/>
-              <a:t> оценки первого порядка для энтропии </a:t>
-            </a:r>
-            <a:r>
-              <a:rPr lang="ru-RU" sz="2000" dirty="0" smtClean="0"/>
-              <a:t>l-граммы </a:t>
-            </a:r>
-            <a:r>
-              <a:rPr lang="ru-RU" sz="2000" dirty="0" smtClean="0"/>
-              <a:t>при </a:t>
+              <a:t> оценки первого порядка для энтропии l-граммы при </a:t>
             </a:r>
             <a:r>
               <a:rPr lang="en-US" sz="2000" dirty="0" smtClean="0"/>
@@ -7703,11 +7608,7 @@
             </a:r>
             <a:r>
               <a:rPr lang="ru-RU" sz="2000" dirty="0" smtClean="0"/>
-              <a:t> </a:t>
-            </a:r>
-            <a:r>
-              <a:rPr lang="ru-RU" sz="2000" dirty="0" smtClean="0"/>
-              <a:t>оценок для энтропии 3-граммы и 4-граммы.</a:t>
+              <a:t> оценок для энтропии 3-граммы и 4-граммы.</a:t>
             </a:r>
           </a:p>
           <a:p>
@@ -7808,11 +7709,7 @@
             </a:r>
             <a:r>
               <a:rPr lang="en-US" sz="1600" dirty="0" smtClean="0"/>
-              <a:t>R.O</a:t>
-            </a:r>
-            <a:r>
-              <a:rPr lang="en-US" sz="1600" dirty="0" smtClean="0"/>
-              <a:t>. </a:t>
+              <a:t>R.O. </a:t>
             </a:r>
             <a:r>
               <a:rPr lang="en-US" sz="1600" dirty="0" err="1" smtClean="0"/>
@@ -7820,11 +7717,7 @@
             </a:r>
             <a:r>
               <a:rPr lang="en-US" sz="1600" dirty="0" smtClean="0"/>
-              <a:t>, P.E. Hart, D.H. Stork Pattern Classification (2nd ed.) // </a:t>
-            </a:r>
-            <a:r>
-              <a:rPr lang="en-US" sz="1600" dirty="0" smtClean="0"/>
-              <a:t>Wiley</a:t>
+              <a:t>, P.E. Hart, D.H. Stork Pattern Classification (2nd ed.) // Wiley</a:t>
             </a:r>
             <a:r>
               <a:rPr lang="ru-RU" sz="1600" dirty="0" smtClean="0"/>
@@ -7864,15 +7757,7 @@
             </a:r>
             <a:r>
               <a:rPr lang="ru-RU" sz="1600" dirty="0" smtClean="0"/>
-              <a:t>, А. В. Балакин: Стеганография, цифровые водяные </a:t>
-            </a:r>
-            <a:r>
-              <a:rPr lang="ru-RU" sz="1600" dirty="0" smtClean="0"/>
-              <a:t>знаки </a:t>
-            </a:r>
-            <a:r>
-              <a:rPr lang="ru-RU" sz="1600" dirty="0" smtClean="0"/>
-              <a:t>о </a:t>
+              <a:t>, А. В. Балакин: Стеганография, цифровые водяные знаки о </a:t>
             </a:r>
             <a:r>
               <a:rPr lang="ru-RU" sz="1600" dirty="0" err="1" smtClean="0"/>
@@ -7880,15 +7765,7 @@
             </a:r>
             <a:r>
               <a:rPr lang="ru-RU" sz="1600" dirty="0" smtClean="0"/>
-              <a:t> - М.: </a:t>
-            </a:r>
-            <a:r>
-              <a:rPr lang="ru-RU" sz="1600" dirty="0" smtClean="0"/>
-              <a:t>Вузовская книга</a:t>
-            </a:r>
-            <a:r>
-              <a:rPr lang="ru-RU" sz="1600" dirty="0" smtClean="0"/>
-              <a:t>, 2009.</a:t>
+              <a:t> - М.: Вузовская книга, 2009.</a:t>
             </a:r>
           </a:p>
           <a:p>
@@ -7902,15 +7779,7 @@
             </a:r>
             <a:r>
               <a:rPr lang="ru-RU" sz="1600" dirty="0" smtClean="0"/>
-              <a:t>, И. Н. Оков, И. В. Туринцев: Цифровая стеганография </a:t>
-            </a:r>
-            <a:r>
-              <a:rPr lang="ru-RU" sz="1600" dirty="0" smtClean="0"/>
-              <a:t> - М</a:t>
-            </a:r>
-            <a:r>
-              <a:rPr lang="ru-RU" sz="1600" dirty="0" smtClean="0"/>
-              <a:t>.: </a:t>
+              <a:t>, И. Н. Оков, И. В. Туринцев: Цифровая стеганография  - М.: </a:t>
             </a:r>
             <a:r>
               <a:rPr lang="ru-RU" sz="1600" dirty="0" err="1" smtClean="0"/>
@@ -7936,11 +7805,7 @@
             </a:r>
             <a:r>
               <a:rPr lang="ru-RU" sz="1600" dirty="0" err="1" smtClean="0"/>
-              <a:t>М</a:t>
-            </a:r>
-            <a:r>
-              <a:rPr lang="ru-RU" sz="1600" dirty="0" err="1" smtClean="0"/>
-              <a:t>.:Триумф</a:t>
+              <a:t>М.:Триумф</a:t>
             </a:r>
             <a:r>
               <a:rPr lang="ru-RU" sz="1600" dirty="0" smtClean="0"/>
@@ -7950,15 +7815,7 @@
           <a:p>
             <a:r>
               <a:rPr lang="ru-RU" sz="1600" dirty="0" smtClean="0"/>
-              <a:t>6. К. И. Пономарев "Параметрическая модель вкрапления и ее </a:t>
-            </a:r>
-            <a:r>
-              <a:rPr lang="ru-RU" sz="1600" dirty="0" smtClean="0"/>
-              <a:t>статистический </a:t>
-            </a:r>
-            <a:r>
-              <a:rPr lang="ru-RU" sz="1600" dirty="0" smtClean="0"/>
-              <a:t>анализ", </a:t>
+              <a:t>6. К. И. Пономарев "Параметрическая модель вкрапления и ее статистический анализ", </a:t>
             </a:r>
             <a:r>
               <a:rPr lang="ru-RU" sz="1600" dirty="0" err="1" smtClean="0"/>
@@ -7996,31 +7853,7 @@
             </a:r>
             <a:r>
               <a:rPr lang="ru-RU" sz="1600" dirty="0" smtClean="0"/>
-              <a:t>: Современные </a:t>
-            </a:r>
-            <a:r>
-              <a:rPr lang="ru-RU" sz="1600" dirty="0" smtClean="0"/>
-              <a:t>направления стеганографии</a:t>
-            </a:r>
-            <a:r>
-              <a:rPr lang="ru-RU" sz="1600" dirty="0" smtClean="0"/>
-              <a:t>. Математика и безопасность информационных </a:t>
-            </a:r>
-            <a:r>
-              <a:rPr lang="ru-RU" sz="1600" dirty="0" smtClean="0"/>
-              <a:t>технологий. Материалы </a:t>
-            </a:r>
-            <a:r>
-              <a:rPr lang="ru-RU" sz="1600" dirty="0" smtClean="0"/>
-              <a:t>конференции в МГУ 28-29 октября 2004 г., МЦМНО, </a:t>
-            </a:r>
-            <a:r>
-              <a:rPr lang="ru-RU" sz="1600" dirty="0" smtClean="0"/>
-              <a:t> М., 2005, с</a:t>
-            </a:r>
-            <a:r>
-              <a:rPr lang="ru-RU" sz="1600" dirty="0" smtClean="0"/>
-              <a:t>. 32-64.</a:t>
+              <a:t>: Современные направления стеганографии. Математика и безопасность информационных технологий. Материалы конференции в МГУ 28-29 октября 2004 г., МЦМНО,  М., 2005, с. 32-64.</a:t>
             </a:r>
           </a:p>
           <a:p>
@@ -8048,15 +7881,7 @@
             </a:r>
             <a:r>
               <a:rPr lang="ru-RU" sz="1600" dirty="0" smtClean="0"/>
-              <a:t> "Статистическое оценивание параметров </a:t>
-            </a:r>
-            <a:r>
-              <a:rPr lang="ru-RU" sz="1600" dirty="0" smtClean="0"/>
-              <a:t>модели </a:t>
-            </a:r>
-            <a:r>
-              <a:rPr lang="ru-RU" sz="1600" dirty="0" smtClean="0"/>
-              <a:t>вкраплений в двоичную цепь Маркова", </a:t>
+              <a:t> "Статистическое оценивание параметров модели вкраплений в двоичную цепь Маркова", </a:t>
             </a:r>
             <a:r>
               <a:rPr lang="ru-RU" sz="1600" dirty="0" err="1" smtClean="0"/>
@@ -8072,15 +7897,7 @@
             </a:r>
             <a:r>
               <a:rPr lang="ru-RU" sz="1600" dirty="0" smtClean="0"/>
-              <a:t>., 25:2 (2013</a:t>
-            </a:r>
-            <a:r>
-              <a:rPr lang="ru-RU" sz="1600" dirty="0" smtClean="0"/>
-              <a:t>), 135-148</a:t>
-            </a:r>
-            <a:r>
-              <a:rPr lang="ru-RU" sz="1600" dirty="0" smtClean="0"/>
-              <a:t>.</a:t>
+              <a:t>., 25:2 (2013), 135-148.</a:t>
             </a:r>
           </a:p>
           <a:p>
@@ -8094,15 +7911,7 @@
             </a:r>
             <a:r>
               <a:rPr lang="ru-RU" sz="1600" dirty="0" smtClean="0"/>
-              <a:t> "Распознавание вкраплений в двоичную </a:t>
-            </a:r>
-            <a:r>
-              <a:rPr lang="ru-RU" sz="1600" dirty="0" smtClean="0"/>
-              <a:t>цепь Маркова</a:t>
-            </a:r>
-            <a:r>
-              <a:rPr lang="ru-RU" sz="1600" dirty="0" smtClean="0"/>
-              <a:t>", </a:t>
+              <a:t> "Распознавание вкраплений в двоичную цепь Маркова", </a:t>
             </a:r>
             <a:r>
               <a:rPr lang="ru-RU" sz="1600" dirty="0" err="1" smtClean="0"/>
@@ -10359,15 +10168,7 @@
                   <a:schemeClr val="tx1"/>
                 </a:solidFill>
               </a:rPr>
-              <a:t>Оценка энтропии </a:t>
-            </a:r>
-            <a:r>
-              <a:rPr lang="ru-RU" sz="2800" dirty="0" smtClean="0">
-                <a:solidFill>
-                  <a:schemeClr val="tx1"/>
-                </a:solidFill>
-              </a:rPr>
-              <a:t>4-граммы</a:t>
+              <a:t>Оценка энтропии 4-граммы</a:t>
             </a:r>
             <a:endParaRPr lang="ru-RU" sz="2800" dirty="0"/>
           </a:p>
@@ -10396,19 +10197,11 @@
             <a:pPr eaLnBrk="1" hangingPunct="1"/>
             <a:r>
               <a:rPr lang="ru-RU" b="1" dirty="0" smtClean="0"/>
-              <a:t>Теорема </a:t>
-            </a:r>
-            <a:r>
-              <a:rPr lang="ru-RU" b="1" dirty="0" smtClean="0"/>
-              <a:t>2</a:t>
+              <a:t>Теорема 2</a:t>
             </a:r>
             <a:r>
               <a:rPr lang="ru-RU" dirty="0" smtClean="0"/>
-              <a:t>. </a:t>
-            </a:r>
-            <a:r>
-              <a:rPr lang="ru-RU" dirty="0" smtClean="0"/>
-              <a:t>Если имеет место </a:t>
+              <a:t>. Если имеет место </a:t>
             </a:r>
             <a:r>
               <a:rPr lang="ru-RU" dirty="0" err="1" smtClean="0"/>
@@ -10428,11 +10221,7 @@
             </a:r>
             <a:r>
               <a:rPr lang="ru-RU" dirty="0" smtClean="0"/>
-              <a:t>4 </a:t>
-            </a:r>
-            <a:r>
-              <a:rPr lang="ru-RU" dirty="0" smtClean="0"/>
-              <a:t>справедливо </a:t>
+              <a:t>4 справедливо </a:t>
             </a:r>
             <a:r>
               <a:rPr lang="ru-RU" dirty="0" err="1" smtClean="0"/>
@@ -10730,23 +10519,7 @@
           <a:p>
             <a:r>
               <a:rPr lang="ru-RU" dirty="0" smtClean="0"/>
-              <a:t>Рисунок </a:t>
-            </a:r>
-            <a:r>
-              <a:rPr lang="ru-RU" dirty="0" smtClean="0"/>
-              <a:t>2 </a:t>
-            </a:r>
-            <a:r>
-              <a:rPr lang="ru-RU" dirty="0" smtClean="0"/>
-              <a:t>– График зависимости энтропии </a:t>
-            </a:r>
-            <a:r>
-              <a:rPr lang="ru-RU" dirty="0" smtClean="0"/>
-              <a:t>3-граммы от </a:t>
-            </a:r>
-            <a:r>
-              <a:rPr lang="ru-RU" dirty="0" smtClean="0"/>
-              <a:t>длины последовательности </a:t>
+              <a:t>Рисунок 2 – График зависимости энтропии 3-граммы от длины последовательности </a:t>
             </a:r>
             <a:endParaRPr lang="ru-RU" dirty="0"/>
           </a:p>
@@ -10846,23 +10619,7 @@
           <a:p>
             <a:r>
               <a:rPr lang="ru-RU" dirty="0" smtClean="0"/>
-              <a:t>Рисунок </a:t>
-            </a:r>
-            <a:r>
-              <a:rPr lang="ru-RU" dirty="0" smtClean="0"/>
-              <a:t>3 </a:t>
-            </a:r>
-            <a:r>
-              <a:rPr lang="ru-RU" dirty="0" smtClean="0"/>
-              <a:t>– График зависимости энтропии </a:t>
-            </a:r>
-            <a:r>
-              <a:rPr lang="ru-RU" dirty="0" smtClean="0"/>
-              <a:t>4-граммы от </a:t>
-            </a:r>
-            <a:r>
-              <a:rPr lang="ru-RU" dirty="0" smtClean="0"/>
-              <a:t>длины последовательности </a:t>
+              <a:t>Рисунок 3 – График зависимости энтропии 4-граммы от длины последовательности </a:t>
             </a:r>
             <a:endParaRPr lang="ru-RU" dirty="0"/>
           </a:p>
